--- a/Bob Hierarchy.pptx
+++ b/Bob Hierarchy.pptx
@@ -143,6 +143,30 @@
             <ac:graphicFrameMk id="4" creationId="{A8578983-D1E6-ABB2-C2AC-941451B1C175}"/>
           </ac:graphicFrameMkLst>
         </pc:graphicFrameChg>
+      </pc:sldChg>
+    </pc:docChg>
+  </pc:docChgLst>
+  <pc:docChgLst>
+    <pc:chgData name="Lim  Xue Xian" userId="9a2d8b0f-eabc-477f-b942-efd7ae3b111c" providerId="ADAL" clId="{41D3EC6D-8397-4310-9495-43EED75C59BD}"/>
+    <pc:docChg chg="modSld">
+      <pc:chgData name="Lim  Xue Xian" userId="9a2d8b0f-eabc-477f-b942-efd7ae3b111c" providerId="ADAL" clId="{41D3EC6D-8397-4310-9495-43EED75C59BD}" dt="2023-05-30T18:21:00.151" v="70" actId="1076"/>
+      <pc:docMkLst>
+        <pc:docMk/>
+      </pc:docMkLst>
+      <pc:sldChg chg="modSp mod">
+        <pc:chgData name="Lim  Xue Xian" userId="9a2d8b0f-eabc-477f-b942-efd7ae3b111c" providerId="ADAL" clId="{41D3EC6D-8397-4310-9495-43EED75C59BD}" dt="2023-05-30T18:21:00.151" v="70" actId="1076"/>
+        <pc:sldMkLst>
+          <pc:docMk/>
+          <pc:sldMk cId="4248711257" sldId="256"/>
+        </pc:sldMkLst>
+        <pc:spChg chg="mod">
+          <ac:chgData name="Lim  Xue Xian" userId="9a2d8b0f-eabc-477f-b942-efd7ae3b111c" providerId="ADAL" clId="{41D3EC6D-8397-4310-9495-43EED75C59BD}" dt="2023-05-30T18:21:00.151" v="70" actId="1076"/>
+          <ac:spMkLst>
+            <pc:docMk/>
+            <pc:sldMk cId="4248711257" sldId="256"/>
+            <ac:spMk id="5" creationId="{AD356CE0-6217-6548-00D3-314C1C92A22D}"/>
+          </ac:spMkLst>
+        </pc:spChg>
       </pc:sldChg>
     </pc:docChg>
   </pc:docChgLst>
@@ -25768,7 +25792,7 @@
           <a:p>
             <a:fld id="{7D394B31-1DBA-4CC3-A14E-417112C597A3}" type="datetimeFigureOut">
               <a:rPr lang="en-SG" smtClean="0"/>
-              <a:t>29/5/2023</a:t>
+              <a:t>30/5/2023</a:t>
             </a:fld>
             <a:endParaRPr lang="en-SG"/>
           </a:p>
@@ -25938,7 +25962,7 @@
           <a:p>
             <a:fld id="{7D394B31-1DBA-4CC3-A14E-417112C597A3}" type="datetimeFigureOut">
               <a:rPr lang="en-SG" smtClean="0"/>
-              <a:t>29/5/2023</a:t>
+              <a:t>30/5/2023</a:t>
             </a:fld>
             <a:endParaRPr lang="en-SG"/>
           </a:p>
@@ -26118,7 +26142,7 @@
           <a:p>
             <a:fld id="{7D394B31-1DBA-4CC3-A14E-417112C597A3}" type="datetimeFigureOut">
               <a:rPr lang="en-SG" smtClean="0"/>
-              <a:t>29/5/2023</a:t>
+              <a:t>30/5/2023</a:t>
             </a:fld>
             <a:endParaRPr lang="en-SG"/>
           </a:p>
@@ -26288,7 +26312,7 @@
           <a:p>
             <a:fld id="{7D394B31-1DBA-4CC3-A14E-417112C597A3}" type="datetimeFigureOut">
               <a:rPr lang="en-SG" smtClean="0"/>
-              <a:t>29/5/2023</a:t>
+              <a:t>30/5/2023</a:t>
             </a:fld>
             <a:endParaRPr lang="en-SG"/>
           </a:p>
@@ -26532,7 +26556,7 @@
           <a:p>
             <a:fld id="{7D394B31-1DBA-4CC3-A14E-417112C597A3}" type="datetimeFigureOut">
               <a:rPr lang="en-SG" smtClean="0"/>
-              <a:t>29/5/2023</a:t>
+              <a:t>30/5/2023</a:t>
             </a:fld>
             <a:endParaRPr lang="en-SG"/>
           </a:p>
@@ -26764,7 +26788,7 @@
           <a:p>
             <a:fld id="{7D394B31-1DBA-4CC3-A14E-417112C597A3}" type="datetimeFigureOut">
               <a:rPr lang="en-SG" smtClean="0"/>
-              <a:t>29/5/2023</a:t>
+              <a:t>30/5/2023</a:t>
             </a:fld>
             <a:endParaRPr lang="en-SG"/>
           </a:p>
@@ -27131,7 +27155,7 @@
           <a:p>
             <a:fld id="{7D394B31-1DBA-4CC3-A14E-417112C597A3}" type="datetimeFigureOut">
               <a:rPr lang="en-SG" smtClean="0"/>
-              <a:t>29/5/2023</a:t>
+              <a:t>30/5/2023</a:t>
             </a:fld>
             <a:endParaRPr lang="en-SG"/>
           </a:p>
@@ -27249,7 +27273,7 @@
           <a:p>
             <a:fld id="{7D394B31-1DBA-4CC3-A14E-417112C597A3}" type="datetimeFigureOut">
               <a:rPr lang="en-SG" smtClean="0"/>
-              <a:t>29/5/2023</a:t>
+              <a:t>30/5/2023</a:t>
             </a:fld>
             <a:endParaRPr lang="en-SG"/>
           </a:p>
@@ -27344,7 +27368,7 @@
           <a:p>
             <a:fld id="{7D394B31-1DBA-4CC3-A14E-417112C597A3}" type="datetimeFigureOut">
               <a:rPr lang="en-SG" smtClean="0"/>
-              <a:t>29/5/2023</a:t>
+              <a:t>30/5/2023</a:t>
             </a:fld>
             <a:endParaRPr lang="en-SG"/>
           </a:p>
@@ -27621,7 +27645,7 @@
           <a:p>
             <a:fld id="{7D394B31-1DBA-4CC3-A14E-417112C597A3}" type="datetimeFigureOut">
               <a:rPr lang="en-SG" smtClean="0"/>
-              <a:t>29/5/2023</a:t>
+              <a:t>30/5/2023</a:t>
             </a:fld>
             <a:endParaRPr lang="en-SG"/>
           </a:p>
@@ -27878,7 +27902,7 @@
           <a:p>
             <a:fld id="{7D394B31-1DBA-4CC3-A14E-417112C597A3}" type="datetimeFigureOut">
               <a:rPr lang="en-SG" smtClean="0"/>
-              <a:t>29/5/2023</a:t>
+              <a:t>30/5/2023</a:t>
             </a:fld>
             <a:endParaRPr lang="en-SG"/>
           </a:p>
@@ -28091,7 +28115,7 @@
           <a:p>
             <a:fld id="{7D394B31-1DBA-4CC3-A14E-417112C597A3}" type="datetimeFigureOut">
               <a:rPr lang="en-SG" smtClean="0"/>
-              <a:t>29/5/2023</a:t>
+              <a:t>30/5/2023</a:t>
             </a:fld>
             <a:endParaRPr lang="en-SG"/>
           </a:p>
@@ -28538,7 +28562,7 @@
         </p:nvSpPr>
         <p:spPr>
           <a:xfrm>
-            <a:off x="5369560" y="172720"/>
+            <a:off x="5438834" y="186575"/>
             <a:ext cx="1220206" cy="430887"/>
           </a:xfrm>
           <a:prstGeom prst="rect">
